--- a/backend/seeds/generate/Physics_101_Lecture_2_zh-CN_with_notes.pptx
+++ b/backend/seeds/generate/Physics_101_Lecture_2_zh-CN_with_notes.pptx
@@ -508,7 +508,7 @@
           <a:p>
             <a:pPr algn="l"/>
             <a:r>
-              <a:t>同学们早上好！在上一讲中，我们讨论了牛顿运动定律。今天，我们将通过介绍功、能量和功率来扩展这些概念。这些概念对于理解力如何在距离和时间上影响物体至关重要。</a:t>
+              <a:t>早上好，同学们！在我们之前的讲座中，我们学习了牛顿运动定律。今天，我们将通过引入功、能量和功率来扩展这些概念。这些概念对于理解力如何在距离和时间上影响物体至关重要。</a:t>
             </a:r>
           </a:p>
         </p:txBody>
@@ -579,7 +579,7 @@
           <a:p>
             <a:pPr algn="l"/>
             <a:r>
-              <a:t>物理学中，功被定义为力使物体发生位移的作用。如果一个力使物体发生位移，那么这个力就对物体做了功。所做功的大小计算为力乘以位移，具体而言，是力在位移方向上的分量。</a:t>
+              <a:t>在物理学中，功被定义为力引起位移。如果一个力使物体发生位移，则该力对物体做了功。做功的大小计算为力与位移的乘积，具体来说，是力沿位移方向的分量与位移大小的乘积。</a:t>
             </a:r>
           </a:p>
         </p:txBody>
@@ -650,7 +650,7 @@
           <a:p>
             <a:pPr algn="l"/>
             <a:r>
-              <a:t>能量是做功的能力。能量有多种形式，例如动能（运动的能量）和势能（储存的能量）。能量守恒定律指出，能量不能被创造也不能被毁灭，只能从一种形式转化为另一种形式。</a:t>
+              <a:t>能量是做功的能力。能量有多种形式，例如动能（运动的能量）和势能（储存的能量）。能量守恒定律指出，能量既不能被创造，也不能被毁灭，只能从一种形式转化为另一种形式。</a:t>
             </a:r>
           </a:p>
         </p:txBody>
@@ -721,7 +721,7 @@
           <a:p>
             <a:pPr algn="l"/>
             <a:r>
-              <a:t>动能是物体因其运动而拥有的能量。它与物体的质量及其速度的平方成正比。因此，速度更快或质量更大的物体具有更多的动能。</a:t>
+              <a:t>动能是物体由于其运动而具有的能量。它与物体的质量及其速度的平方成正比。因此，速度更快或质量更大的物体具有更大的动能。</a:t>
             </a:r>
           </a:p>
         </p:txBody>
@@ -792,7 +792,7 @@
           <a:p>
             <a:pPr algn="l"/>
             <a:r>
-              <a:t>势能是储存的能量。重力势能取决于物体的质量、高度以及重力加速度。弹性势能储存在被拉伸或压缩的弹性材料中。</a:t>
+              <a:t>势能是储存的能量。重力势能取决于物体的质量、高度和重力加速度。弹性势能储存在被拉伸或压缩的弹性材料中。</a:t>
             </a:r>
           </a:p>
         </p:txBody>
@@ -863,7 +863,7 @@
           <a:p>
             <a:pPr algn="l"/>
             <a:r>
-              <a:t>最终，功率是功完成或能量转移的速率。它告诉我们功完成的速度有多快。功率的计算方式是功除以时间，或者力乘以速度。这就结束了我们关于功、能量和功率的讲座。请为下次课的简短测验做准备。</a:t>
+              <a:t>最后，功率是做功或能量转移的速率。它告诉我们做功的速度有多快。功率等于功除以时间，或者力乘以速度。这就结束了我们关于功、能量和功率的讲座。请为下一节课的简短测验做好准备。</a:t>
             </a:r>
           </a:p>
         </p:txBody>
